--- a/avant_apres_rapport_optimisation.pptx
+++ b/avant_apres_rapport_optimisation.pptx
@@ -5,14 +5,18 @@
     <p:sldMasterId id="2147483648" r:id="rId1"/>
   </p:sldMasterIdLst>
   <p:notesMasterIdLst>
-    <p:notesMasterId r:id="rId7"/>
+    <p:notesMasterId r:id="rId11"/>
   </p:notesMasterIdLst>
   <p:sldIdLst>
     <p:sldId id="256" r:id="rId2"/>
-    <p:sldId id="261" r:id="rId3"/>
-    <p:sldId id="263" r:id="rId4"/>
-    <p:sldId id="262" r:id="rId5"/>
-    <p:sldId id="260" r:id="rId6"/>
+    <p:sldId id="264" r:id="rId3"/>
+    <p:sldId id="265" r:id="rId4"/>
+    <p:sldId id="266" r:id="rId5"/>
+    <p:sldId id="267" r:id="rId6"/>
+    <p:sldId id="261" r:id="rId7"/>
+    <p:sldId id="263" r:id="rId8"/>
+    <p:sldId id="262" r:id="rId9"/>
+    <p:sldId id="260" r:id="rId10"/>
   </p:sldIdLst>
   <p:sldSz cx="12192000" cy="6858000"/>
   <p:notesSz cx="6858000" cy="9144000"/>
@@ -111,6 +115,11 @@
       </a:defRPr>
     </a:lvl9pPr>
   </p:defaultTextStyle>
+  <p:extLst>
+    <p:ext uri="{EFAFB233-063F-42B5-8137-9DF3F51BA10A}">
+      <p15:sldGuideLst xmlns:p15="http://schemas.microsoft.com/office/powerpoint/2012/main"/>
+    </p:ext>
+  </p:extLst>
 </p:presentation>
 </file>
 
@@ -196,7 +205,7 @@
           <a:p>
             <a:fld id="{2B194882-E1DE-5549-B51C-C4A40622B19D}" type="datetimeFigureOut">
               <a:rPr lang="fr-FR" smtClean="0"/>
-              <a:t>23/12/2022</a:t>
+              <a:t>13/01/2023</a:t>
             </a:fld>
             <a:endParaRPr lang="fr-FR"/>
           </a:p>
@@ -528,7 +537,7 @@
           <a:p>
             <a:fld id="{DF70C128-0857-8E45-BED4-374A208557D1}" type="slidenum">
               <a:rPr lang="fr-FR" smtClean="0"/>
-              <a:t>2</a:t>
+              <a:t>6</a:t>
             </a:fld>
             <a:endParaRPr lang="fr-FR"/>
           </a:p>
@@ -694,7 +703,7 @@
           <a:p>
             <a:fld id="{0F30755F-C109-0942-BFCF-DA65AB219056}" type="datetimeFigureOut">
               <a:rPr lang="fr-FR" smtClean="0"/>
-              <a:t>23/12/2022</a:t>
+              <a:t>13/01/2023</a:t>
             </a:fld>
             <a:endParaRPr lang="fr-FR"/>
           </a:p>
@@ -892,7 +901,7 @@
           <a:p>
             <a:fld id="{0F30755F-C109-0942-BFCF-DA65AB219056}" type="datetimeFigureOut">
               <a:rPr lang="fr-FR" smtClean="0"/>
-              <a:t>23/12/2022</a:t>
+              <a:t>13/01/2023</a:t>
             </a:fld>
             <a:endParaRPr lang="fr-FR"/>
           </a:p>
@@ -1100,7 +1109,7 @@
           <a:p>
             <a:fld id="{0F30755F-C109-0942-BFCF-DA65AB219056}" type="datetimeFigureOut">
               <a:rPr lang="fr-FR" smtClean="0"/>
-              <a:t>23/12/2022</a:t>
+              <a:t>13/01/2023</a:t>
             </a:fld>
             <a:endParaRPr lang="fr-FR"/>
           </a:p>
@@ -1298,7 +1307,7 @@
           <a:p>
             <a:fld id="{0F30755F-C109-0942-BFCF-DA65AB219056}" type="datetimeFigureOut">
               <a:rPr lang="fr-FR" smtClean="0"/>
-              <a:t>23/12/2022</a:t>
+              <a:t>13/01/2023</a:t>
             </a:fld>
             <a:endParaRPr lang="fr-FR"/>
           </a:p>
@@ -1573,7 +1582,7 @@
           <a:p>
             <a:fld id="{0F30755F-C109-0942-BFCF-DA65AB219056}" type="datetimeFigureOut">
               <a:rPr lang="fr-FR" smtClean="0"/>
-              <a:t>23/12/2022</a:t>
+              <a:t>13/01/2023</a:t>
             </a:fld>
             <a:endParaRPr lang="fr-FR"/>
           </a:p>
@@ -1838,7 +1847,7 @@
           <a:p>
             <a:fld id="{0F30755F-C109-0942-BFCF-DA65AB219056}" type="datetimeFigureOut">
               <a:rPr lang="fr-FR" smtClean="0"/>
-              <a:t>23/12/2022</a:t>
+              <a:t>13/01/2023</a:t>
             </a:fld>
             <a:endParaRPr lang="fr-FR"/>
           </a:p>
@@ -2250,7 +2259,7 @@
           <a:p>
             <a:fld id="{0F30755F-C109-0942-BFCF-DA65AB219056}" type="datetimeFigureOut">
               <a:rPr lang="fr-FR" smtClean="0"/>
-              <a:t>23/12/2022</a:t>
+              <a:t>13/01/2023</a:t>
             </a:fld>
             <a:endParaRPr lang="fr-FR"/>
           </a:p>
@@ -2391,7 +2400,7 @@
           <a:p>
             <a:fld id="{0F30755F-C109-0942-BFCF-DA65AB219056}" type="datetimeFigureOut">
               <a:rPr lang="fr-FR" smtClean="0"/>
-              <a:t>23/12/2022</a:t>
+              <a:t>13/01/2023</a:t>
             </a:fld>
             <a:endParaRPr lang="fr-FR"/>
           </a:p>
@@ -2504,7 +2513,7 @@
           <a:p>
             <a:fld id="{0F30755F-C109-0942-BFCF-DA65AB219056}" type="datetimeFigureOut">
               <a:rPr lang="fr-FR" smtClean="0"/>
-              <a:t>23/12/2022</a:t>
+              <a:t>13/01/2023</a:t>
             </a:fld>
             <a:endParaRPr lang="fr-FR"/>
           </a:p>
@@ -2815,7 +2824,7 @@
           <a:p>
             <a:fld id="{0F30755F-C109-0942-BFCF-DA65AB219056}" type="datetimeFigureOut">
               <a:rPr lang="fr-FR" smtClean="0"/>
-              <a:t>23/12/2022</a:t>
+              <a:t>13/01/2023</a:t>
             </a:fld>
             <a:endParaRPr lang="fr-FR"/>
           </a:p>
@@ -3103,7 +3112,7 @@
           <a:p>
             <a:fld id="{0F30755F-C109-0942-BFCF-DA65AB219056}" type="datetimeFigureOut">
               <a:rPr lang="fr-FR" smtClean="0"/>
-              <a:t>23/12/2022</a:t>
+              <a:t>13/01/2023</a:t>
             </a:fld>
             <a:endParaRPr lang="fr-FR"/>
           </a:p>
@@ -3344,7 +3353,7 @@
           <a:p>
             <a:fld id="{0F30755F-C109-0942-BFCF-DA65AB219056}" type="datetimeFigureOut">
               <a:rPr lang="fr-FR" smtClean="0"/>
-              <a:t>23/12/2022</a:t>
+              <a:t>13/01/2023</a:t>
             </a:fld>
             <a:endParaRPr lang="fr-FR"/>
           </a:p>
@@ -3859,6 +3868,377 @@
           <p:cNvPr id="2" name="Titre 1">
             <a:extLst>
               <a:ext uri="{FF2B5EF4-FFF2-40B4-BE49-F238E27FC236}">
+                <a16:creationId xmlns:a16="http://schemas.microsoft.com/office/drawing/2014/main" id="{82023E35-F872-B8CA-8BC5-74F671AC0EEE}"/>
+              </a:ext>
+            </a:extLst>
+          </p:cNvPr>
+          <p:cNvSpPr>
+            <a:spLocks noGrp="1"/>
+          </p:cNvSpPr>
+          <p:nvPr>
+            <p:ph type="title"/>
+          </p:nvPr>
+        </p:nvSpPr>
+        <p:spPr/>
+        <p:txBody>
+          <a:bodyPr/>
+          <a:lstStyle/>
+          <a:p>
+            <a:r>
+              <a:rPr lang="fr-FR" dirty="0"/>
+              <a:t>Mobile </a:t>
+            </a:r>
+            <a:r>
+              <a:rPr lang="fr-FR" dirty="0" err="1"/>
+              <a:t>lighthouse</a:t>
+            </a:r>
+            <a:endParaRPr lang="fr-FR" dirty="0"/>
+          </a:p>
+        </p:txBody>
+      </p:sp>
+      <p:pic>
+        <p:nvPicPr>
+          <p:cNvPr id="4" name="Espace réservé du contenu 3">
+            <a:extLst>
+              <a:ext uri="{FF2B5EF4-FFF2-40B4-BE49-F238E27FC236}">
+                <a16:creationId xmlns:a16="http://schemas.microsoft.com/office/drawing/2014/main" id="{1AB14CD9-41D4-808A-1410-3102428AD32A}"/>
+              </a:ext>
+            </a:extLst>
+          </p:cNvPr>
+          <p:cNvPicPr>
+            <a:picLocks noGrp="1" noChangeAspect="1"/>
+          </p:cNvPicPr>
+          <p:nvPr>
+            <p:ph idx="1"/>
+          </p:nvPr>
+        </p:nvPicPr>
+        <p:blipFill>
+          <a:blip r:embed="rId2"/>
+          <a:stretch>
+            <a:fillRect/>
+          </a:stretch>
+        </p:blipFill>
+        <p:spPr>
+          <a:xfrm>
+            <a:off x="2417222" y="1393139"/>
+            <a:ext cx="6962140" cy="4351338"/>
+          </a:xfrm>
+          <a:prstGeom prst="rect">
+            <a:avLst/>
+          </a:prstGeom>
+        </p:spPr>
+      </p:pic>
+    </p:spTree>
+    <p:extLst>
+      <p:ext uri="{BB962C8B-B14F-4D97-AF65-F5344CB8AC3E}">
+        <p14:creationId xmlns:p14="http://schemas.microsoft.com/office/powerpoint/2010/main" val="1640720171"/>
+      </p:ext>
+    </p:extLst>
+  </p:cSld>
+  <p:clrMapOvr>
+    <a:masterClrMapping/>
+  </p:clrMapOvr>
+</p:sld>
+</file>
+
+<file path=ppt/slides/slide3.xml><?xml version="1.0" encoding="utf-8"?>
+<p:sld xmlns:a="http://schemas.openxmlformats.org/drawingml/2006/main" xmlns:r="http://schemas.openxmlformats.org/officeDocument/2006/relationships" xmlns:p="http://schemas.openxmlformats.org/presentationml/2006/main">
+  <p:cSld>
+    <p:spTree>
+      <p:nvGrpSpPr>
+        <p:cNvPr id="1" name=""/>
+        <p:cNvGrpSpPr/>
+        <p:nvPr/>
+      </p:nvGrpSpPr>
+      <p:grpSpPr>
+        <a:xfrm>
+          <a:off x="0" y="0"/>
+          <a:ext cx="0" cy="0"/>
+          <a:chOff x="0" y="0"/>
+          <a:chExt cx="0" cy="0"/>
+        </a:xfrm>
+      </p:grpSpPr>
+      <p:sp>
+        <p:nvSpPr>
+          <p:cNvPr id="2" name="Titre 1">
+            <a:extLst>
+              <a:ext uri="{FF2B5EF4-FFF2-40B4-BE49-F238E27FC236}">
+                <a16:creationId xmlns:a16="http://schemas.microsoft.com/office/drawing/2014/main" id="{75227372-866D-2D43-653A-085EFDAF85A0}"/>
+              </a:ext>
+            </a:extLst>
+          </p:cNvPr>
+          <p:cNvSpPr>
+            <a:spLocks noGrp="1"/>
+          </p:cNvSpPr>
+          <p:nvPr>
+            <p:ph type="title"/>
+          </p:nvPr>
+        </p:nvSpPr>
+        <p:spPr/>
+        <p:txBody>
+          <a:bodyPr/>
+          <a:lstStyle/>
+          <a:p>
+            <a:r>
+              <a:rPr lang="fr-FR" dirty="0"/>
+              <a:t>Desktop </a:t>
+            </a:r>
+            <a:r>
+              <a:rPr lang="fr-FR" dirty="0" err="1"/>
+              <a:t>lighthouse</a:t>
+            </a:r>
+            <a:endParaRPr lang="fr-FR" dirty="0"/>
+          </a:p>
+        </p:txBody>
+      </p:sp>
+      <p:pic>
+        <p:nvPicPr>
+          <p:cNvPr id="4" name="Espace réservé du contenu 4">
+            <a:extLst>
+              <a:ext uri="{FF2B5EF4-FFF2-40B4-BE49-F238E27FC236}">
+                <a16:creationId xmlns:a16="http://schemas.microsoft.com/office/drawing/2014/main" id="{4CBA1F41-F6CF-BA9B-1348-AEF203657E3C}"/>
+              </a:ext>
+            </a:extLst>
+          </p:cNvPr>
+          <p:cNvPicPr>
+            <a:picLocks noGrp="1" noChangeAspect="1"/>
+          </p:cNvPicPr>
+          <p:nvPr>
+            <p:ph idx="1"/>
+          </p:nvPr>
+        </p:nvPicPr>
+        <p:blipFill>
+          <a:blip r:embed="rId2"/>
+          <a:stretch>
+            <a:fillRect/>
+          </a:stretch>
+        </p:blipFill>
+        <p:spPr>
+          <a:xfrm>
+            <a:off x="2614930" y="1825625"/>
+            <a:ext cx="6962140" cy="4351338"/>
+          </a:xfrm>
+        </p:spPr>
+      </p:pic>
+    </p:spTree>
+    <p:extLst>
+      <p:ext uri="{BB962C8B-B14F-4D97-AF65-F5344CB8AC3E}">
+        <p14:creationId xmlns:p14="http://schemas.microsoft.com/office/powerpoint/2010/main" val="3573805038"/>
+      </p:ext>
+    </p:extLst>
+  </p:cSld>
+  <p:clrMapOvr>
+    <a:masterClrMapping/>
+  </p:clrMapOvr>
+</p:sld>
+</file>
+
+<file path=ppt/slides/slide4.xml><?xml version="1.0" encoding="utf-8"?>
+<p:sld xmlns:a="http://schemas.openxmlformats.org/drawingml/2006/main" xmlns:r="http://schemas.openxmlformats.org/officeDocument/2006/relationships" xmlns:p="http://schemas.openxmlformats.org/presentationml/2006/main">
+  <p:cSld>
+    <p:spTree>
+      <p:nvGrpSpPr>
+        <p:cNvPr id="1" name=""/>
+        <p:cNvGrpSpPr/>
+        <p:nvPr/>
+      </p:nvGrpSpPr>
+      <p:grpSpPr>
+        <a:xfrm>
+          <a:off x="0" y="0"/>
+          <a:ext cx="0" cy="0"/>
+          <a:chOff x="0" y="0"/>
+          <a:chExt cx="0" cy="0"/>
+        </a:xfrm>
+      </p:grpSpPr>
+      <p:sp>
+        <p:nvSpPr>
+          <p:cNvPr id="2" name="Titre 1">
+            <a:extLst>
+              <a:ext uri="{FF2B5EF4-FFF2-40B4-BE49-F238E27FC236}">
+                <a16:creationId xmlns:a16="http://schemas.microsoft.com/office/drawing/2014/main" id="{7A087218-1AF3-405F-8FD9-9B1D14535646}"/>
+              </a:ext>
+            </a:extLst>
+          </p:cNvPr>
+          <p:cNvSpPr>
+            <a:spLocks noGrp="1"/>
+          </p:cNvSpPr>
+          <p:nvPr>
+            <p:ph type="title"/>
+          </p:nvPr>
+        </p:nvSpPr>
+        <p:spPr/>
+        <p:txBody>
+          <a:bodyPr/>
+          <a:lstStyle/>
+          <a:p>
+            <a:r>
+              <a:rPr lang="fr-FR" dirty="0"/>
+              <a:t>Mobile </a:t>
+            </a:r>
+            <a:r>
+              <a:rPr lang="fr-FR" dirty="0" err="1"/>
+              <a:t>lighthouse</a:t>
+            </a:r>
+            <a:endParaRPr lang="fr-FR" dirty="0"/>
+          </a:p>
+        </p:txBody>
+      </p:sp>
+      <p:pic>
+        <p:nvPicPr>
+          <p:cNvPr id="5" name="Espace réservé du contenu 4">
+            <a:extLst>
+              <a:ext uri="{FF2B5EF4-FFF2-40B4-BE49-F238E27FC236}">
+                <a16:creationId xmlns:a16="http://schemas.microsoft.com/office/drawing/2014/main" id="{7F549317-BB66-1CEA-2F1E-31B7121131F7}"/>
+              </a:ext>
+            </a:extLst>
+          </p:cNvPr>
+          <p:cNvPicPr>
+            <a:picLocks noGrp="1" noChangeAspect="1"/>
+          </p:cNvPicPr>
+          <p:nvPr>
+            <p:ph idx="1"/>
+          </p:nvPr>
+        </p:nvPicPr>
+        <p:blipFill>
+          <a:blip r:embed="rId2"/>
+          <a:stretch>
+            <a:fillRect/>
+          </a:stretch>
+        </p:blipFill>
+        <p:spPr>
+          <a:xfrm>
+            <a:off x="2614930" y="1825625"/>
+            <a:ext cx="6962140" cy="4351338"/>
+          </a:xfrm>
+        </p:spPr>
+      </p:pic>
+    </p:spTree>
+    <p:extLst>
+      <p:ext uri="{BB962C8B-B14F-4D97-AF65-F5344CB8AC3E}">
+        <p14:creationId xmlns:p14="http://schemas.microsoft.com/office/powerpoint/2010/main" val="3692841113"/>
+      </p:ext>
+    </p:extLst>
+  </p:cSld>
+  <p:clrMapOvr>
+    <a:masterClrMapping/>
+  </p:clrMapOvr>
+</p:sld>
+</file>
+
+<file path=ppt/slides/slide5.xml><?xml version="1.0" encoding="utf-8"?>
+<p:sld xmlns:a="http://schemas.openxmlformats.org/drawingml/2006/main" xmlns:r="http://schemas.openxmlformats.org/officeDocument/2006/relationships" xmlns:p="http://schemas.openxmlformats.org/presentationml/2006/main">
+  <p:cSld>
+    <p:spTree>
+      <p:nvGrpSpPr>
+        <p:cNvPr id="1" name=""/>
+        <p:cNvGrpSpPr/>
+        <p:nvPr/>
+      </p:nvGrpSpPr>
+      <p:grpSpPr>
+        <a:xfrm>
+          <a:off x="0" y="0"/>
+          <a:ext cx="0" cy="0"/>
+          <a:chOff x="0" y="0"/>
+          <a:chExt cx="0" cy="0"/>
+        </a:xfrm>
+      </p:grpSpPr>
+      <p:sp>
+        <p:nvSpPr>
+          <p:cNvPr id="2" name="Titre 1">
+            <a:extLst>
+              <a:ext uri="{FF2B5EF4-FFF2-40B4-BE49-F238E27FC236}">
+                <a16:creationId xmlns:a16="http://schemas.microsoft.com/office/drawing/2014/main" id="{238A5D01-229F-7A50-BB99-3ADD2F7DCB11}"/>
+              </a:ext>
+            </a:extLst>
+          </p:cNvPr>
+          <p:cNvSpPr>
+            <a:spLocks noGrp="1"/>
+          </p:cNvSpPr>
+          <p:nvPr>
+            <p:ph type="title"/>
+          </p:nvPr>
+        </p:nvSpPr>
+        <p:spPr/>
+        <p:txBody>
+          <a:bodyPr/>
+          <a:lstStyle/>
+          <a:p>
+            <a:r>
+              <a:rPr lang="fr-FR" dirty="0"/>
+              <a:t>Desktop </a:t>
+            </a:r>
+            <a:r>
+              <a:rPr lang="fr-FR" dirty="0" err="1"/>
+              <a:t>lighthouse</a:t>
+            </a:r>
+            <a:endParaRPr lang="fr-FR" dirty="0"/>
+          </a:p>
+        </p:txBody>
+      </p:sp>
+      <p:pic>
+        <p:nvPicPr>
+          <p:cNvPr id="9" name="Espace réservé du contenu 8">
+            <a:extLst>
+              <a:ext uri="{FF2B5EF4-FFF2-40B4-BE49-F238E27FC236}">
+                <a16:creationId xmlns:a16="http://schemas.microsoft.com/office/drawing/2014/main" id="{40CF1DAD-8032-7591-B30E-C7F42CC20BBB}"/>
+              </a:ext>
+            </a:extLst>
+          </p:cNvPr>
+          <p:cNvPicPr>
+            <a:picLocks noGrp="1" noChangeAspect="1"/>
+          </p:cNvPicPr>
+          <p:nvPr>
+            <p:ph idx="1"/>
+          </p:nvPr>
+        </p:nvPicPr>
+        <p:blipFill>
+          <a:blip r:embed="rId2"/>
+          <a:stretch>
+            <a:fillRect/>
+          </a:stretch>
+        </p:blipFill>
+        <p:spPr>
+          <a:xfrm>
+            <a:off x="2614930" y="1825625"/>
+            <a:ext cx="6962140" cy="4351338"/>
+          </a:xfrm>
+        </p:spPr>
+      </p:pic>
+    </p:spTree>
+    <p:extLst>
+      <p:ext uri="{BB962C8B-B14F-4D97-AF65-F5344CB8AC3E}">
+        <p14:creationId xmlns:p14="http://schemas.microsoft.com/office/powerpoint/2010/main" val="2616849542"/>
+      </p:ext>
+    </p:extLst>
+  </p:cSld>
+  <p:clrMapOvr>
+    <a:masterClrMapping/>
+  </p:clrMapOvr>
+</p:sld>
+</file>
+
+<file path=ppt/slides/slide6.xml><?xml version="1.0" encoding="utf-8"?>
+<p:sld xmlns:a="http://schemas.openxmlformats.org/drawingml/2006/main" xmlns:r="http://schemas.openxmlformats.org/officeDocument/2006/relationships" xmlns:p="http://schemas.openxmlformats.org/presentationml/2006/main">
+  <p:cSld>
+    <p:spTree>
+      <p:nvGrpSpPr>
+        <p:cNvPr id="1" name=""/>
+        <p:cNvGrpSpPr/>
+        <p:nvPr/>
+      </p:nvGrpSpPr>
+      <p:grpSpPr>
+        <a:xfrm>
+          <a:off x="0" y="0"/>
+          <a:ext cx="0" cy="0"/>
+          <a:chOff x="0" y="0"/>
+          <a:chExt cx="0" cy="0"/>
+        </a:xfrm>
+      </p:grpSpPr>
+      <p:sp>
+        <p:nvSpPr>
+          <p:cNvPr id="2" name="Titre 1">
+            <a:extLst>
+              <a:ext uri="{FF2B5EF4-FFF2-40B4-BE49-F238E27FC236}">
                 <a16:creationId xmlns:a16="http://schemas.microsoft.com/office/drawing/2014/main" id="{D93E945D-F39E-DE73-D2CE-989BEB534FCA}"/>
               </a:ext>
             </a:extLst>
@@ -4056,7 +4436,7 @@
 </p:sld>
 </file>
 
-<file path=ppt/slides/slide3.xml><?xml version="1.0" encoding="utf-8"?>
+<file path=ppt/slides/slide7.xml><?xml version="1.0" encoding="utf-8"?>
 <p:sld xmlns:a="http://schemas.openxmlformats.org/drawingml/2006/main" xmlns:r="http://schemas.openxmlformats.org/officeDocument/2006/relationships" xmlns:p="http://schemas.openxmlformats.org/presentationml/2006/main">
   <p:cSld>
     <p:spTree>
@@ -4275,7 +4655,7 @@
 </p:sld>
 </file>
 
-<file path=ppt/slides/slide4.xml><?xml version="1.0" encoding="utf-8"?>
+<file path=ppt/slides/slide8.xml><?xml version="1.0" encoding="utf-8"?>
 <p:sld xmlns:a="http://schemas.openxmlformats.org/drawingml/2006/main" xmlns:r="http://schemas.openxmlformats.org/officeDocument/2006/relationships" xmlns:p="http://schemas.openxmlformats.org/presentationml/2006/main">
   <p:cSld>
     <p:spTree>
@@ -4494,7 +4874,7 @@
 </p:sld>
 </file>
 
-<file path=ppt/slides/slide5.xml><?xml version="1.0" encoding="utf-8"?>
+<file path=ppt/slides/slide9.xml><?xml version="1.0" encoding="utf-8"?>
 <p:sld xmlns:a="http://schemas.openxmlformats.org/drawingml/2006/main" xmlns:r="http://schemas.openxmlformats.org/officeDocument/2006/relationships" xmlns:p="http://schemas.openxmlformats.org/presentationml/2006/main">
   <p:cSld>
     <p:spTree>
